--- a/departFin.pptx
+++ b/departFin.pptx
@@ -106,6 +106,387 @@
     </a:lvl9pPr>
   </p:defaultTextStyle>
 </p:presentation>
+</file>
+
+<file path=ppt/charts/chart1.xml><?xml version="1.0" encoding="utf-8"?>
+<c:chartSpace xmlns:c="http://schemas.openxmlformats.org/drawingml/2006/chart" xmlns:a="http://schemas.openxmlformats.org/drawingml/2006/main" xmlns:r="http://schemas.openxmlformats.org/officeDocument/2006/relationships">
+  <c:date1904 val="0"/>
+  <c:chart>
+    <c:autoTitleDeleted val="1"/>
+    <c:plotArea>
+      <c:layout/>
+      <c:lineChart>
+        <c:varyColors val="0"/>
+        <c:ser>
+          <c:idx val="0"/>
+          <c:order val="0"/>
+          <c:tx>
+            <c:strRef>
+              <c:f>Sheet1!$B$1</c:f>
+              <c:strCache>
+                <c:ptCount val="1"/>
+                <c:pt idx="0">
+                  <c:v>神经内科门诊</c:v>
+                </c:pt>
+              </c:strCache>
+            </c:strRef>
+          </c:tx>
+          <c:invertIfNegative val="0"/>
+          <c:spPr>
+            <a:solidFill>
+              <a:srgbClr val="C0504D"/>
+            </a:solidFill>
+            <a:ln w="25400" cap="flat">
+              <a:solidFill>
+                <a:srgbClr val="C0504D"/>
+              </a:solidFill>
+              <a:prstDash val="solid"/>
+              <a:round/>
+            </a:ln>
+            <a:effectLst/>
+          </c:spPr>
+          <c:dLbls>
+            <c:numFmt formatCode="#,##0" sourceLinked="0"/>
+            <c:txPr>
+              <a:bodyPr/>
+              <a:lstStyle/>
+              <a:p>
+                <a:pPr>
+                  <a:defRPr b="0" i="0" strike="noStrike" sz="1200" u="none">
+                    <a:solidFill>
+                      <a:srgbClr val="000000"/>
+                    </a:solidFill>
+                    <a:latin typeface="Arial"/>
+                  </a:defRPr>
+                </a:pPr>
+              </a:p>
+            </c:txPr>
+            <c:dLblPos val="ctr"/>
+            <c:showLegendKey val="0"/>
+            <c:showVal val="0"/>
+            <c:showCatName val="0"/>
+            <c:showSerName val="0"/>
+            <c:showPercent val="0"/>
+            <c:showBubbleSize val="0"/>
+            <c:showLeaderLines val="0"/>
+          </c:dLbls>
+          <c:marker>
+            <c:symbol val="circle"/>
+            <c:size val="6"/>
+            <c:spPr>
+              <a:solidFill>
+                <a:srgbClr val="C0504D"/>
+              </a:solidFill>
+              <a:ln w="9525" cap="flat">
+                <a:solidFill>
+                  <a:srgbClr val="C0504D"/>
+                </a:solidFill>
+                <a:prstDash val="solid"/>
+                <a:round/>
+              </a:ln>
+              <a:effectLst/>
+            </c:spPr>
+          </c:marker>
+          <c:cat>
+            <c:strRef>
+              <c:f>Sheet1!$A$2:$A$5</c:f>
+              <c:strCache>
+                <c:ptCount val="4"/>
+                <c:pt idx="0">
+                  <c:v>医疗服务收入</c:v>
+                </c:pt>
+                <c:pt idx="1">
+                  <c:v>收入合计</c:v>
+                </c:pt>
+                <c:pt idx="2">
+                  <c:v>门诊收入合计</c:v>
+                </c:pt>
+                <c:pt idx="3">
+                  <c:v>住院收入合计</c:v>
+                </c:pt>
+              </c:strCache>
+            </c:strRef>
+          </c:cat>
+          <c:val>
+            <c:numRef>
+              <c:f>Sheet1!$B$2:$B$5</c:f>
+              <c:numCache>
+                <c:formatCode>General</c:formatCode>
+                <c:ptCount val="4"/>
+                <c:pt idx="0">
+                  <c:v/>
+                </c:pt>
+                <c:pt idx="1">
+                  <c:v>6493931.42</c:v>
+                </c:pt>
+                <c:pt idx="2">
+                  <c:v>6493931.42</c:v>
+                </c:pt>
+                <c:pt idx="3">
+                  <c:v>0</c:v>
+                </c:pt>
+              </c:numCache>
+            </c:numRef>
+          </c:val>
+          <c:smooth val="0"/>
+        </c:ser>
+        <c:ser>
+          <c:idx val="1"/>
+          <c:order val="1"/>
+          <c:tx>
+            <c:strRef>
+              <c:f>Sheet1!$C$1</c:f>
+              <c:strCache>
+                <c:ptCount val="1"/>
+                <c:pt idx="0">
+                  <c:v>神经内科</c:v>
+                </c:pt>
+              </c:strCache>
+            </c:strRef>
+          </c:tx>
+          <c:invertIfNegative val="0"/>
+          <c:spPr>
+            <a:solidFill>
+              <a:srgbClr val="4F81BD"/>
+            </a:solidFill>
+            <a:ln w="25400" cap="flat">
+              <a:solidFill>
+                <a:srgbClr val="4F81BD"/>
+              </a:solidFill>
+              <a:prstDash val="solid"/>
+              <a:round/>
+            </a:ln>
+            <a:effectLst/>
+          </c:spPr>
+          <c:dLbls>
+            <c:numFmt formatCode="#,##0" sourceLinked="0"/>
+            <c:txPr>
+              <a:bodyPr/>
+              <a:lstStyle/>
+              <a:p>
+                <a:pPr>
+                  <a:defRPr b="0" i="0" strike="noStrike" sz="1200" u="none">
+                    <a:solidFill>
+                      <a:srgbClr val="000000"/>
+                    </a:solidFill>
+                    <a:latin typeface="Arial"/>
+                  </a:defRPr>
+                </a:pPr>
+              </a:p>
+            </c:txPr>
+            <c:dLblPos val="ctr"/>
+            <c:showLegendKey val="0"/>
+            <c:showVal val="0"/>
+            <c:showCatName val="0"/>
+            <c:showSerName val="0"/>
+            <c:showPercent val="0"/>
+            <c:showBubbleSize val="0"/>
+            <c:showLeaderLines val="0"/>
+          </c:dLbls>
+          <c:marker>
+            <c:symbol val="circle"/>
+            <c:size val="6"/>
+            <c:spPr>
+              <a:solidFill>
+                <a:srgbClr val="4F81BD"/>
+              </a:solidFill>
+              <a:ln w="9525" cap="flat">
+                <a:solidFill>
+                  <a:srgbClr val="4F81BD"/>
+                </a:solidFill>
+                <a:prstDash val="solid"/>
+                <a:round/>
+              </a:ln>
+              <a:effectLst/>
+            </c:spPr>
+          </c:marker>
+          <c:cat>
+            <c:strRef>
+              <c:f>Sheet1!$A$2:$A$5</c:f>
+              <c:strCache>
+                <c:ptCount val="4"/>
+                <c:pt idx="0">
+                  <c:v>医疗服务收入</c:v>
+                </c:pt>
+                <c:pt idx="1">
+                  <c:v>收入合计</c:v>
+                </c:pt>
+                <c:pt idx="2">
+                  <c:v>门诊收入合计</c:v>
+                </c:pt>
+                <c:pt idx="3">
+                  <c:v>住院收入合计</c:v>
+                </c:pt>
+              </c:strCache>
+            </c:strRef>
+          </c:cat>
+          <c:val>
+            <c:numRef>
+              <c:f>Sheet1!$C$2:$C$5</c:f>
+              <c:numCache>
+                <c:formatCode>General</c:formatCode>
+                <c:ptCount val="4"/>
+                <c:pt idx="0">
+                  <c:v/>
+                </c:pt>
+                <c:pt idx="1">
+                  <c:v>16992811.31</c:v>
+                </c:pt>
+                <c:pt idx="2">
+                  <c:v>-205.5</c:v>
+                </c:pt>
+                <c:pt idx="3">
+                  <c:v>16993016.81</c:v>
+                </c:pt>
+              </c:numCache>
+            </c:numRef>
+          </c:val>
+          <c:smooth val="0"/>
+        </c:ser>
+        <c:dLbls>
+          <c:numFmt formatCode="#,##0" sourceLinked="0"/>
+          <c:txPr>
+            <a:bodyPr/>
+            <a:lstStyle/>
+            <a:p>
+              <a:pPr>
+                <a:defRPr b="0" i="0" strike="noStrike" sz="1200" u="none">
+                  <a:solidFill>
+                    <a:srgbClr val="000000"/>
+                  </a:solidFill>
+                  <a:latin typeface="Arial"/>
+                </a:defRPr>
+              </a:pPr>
+            </a:p>
+          </c:txPr>
+          <c:dLblPos val="ctr"/>
+          <c:showLegendKey val="0"/>
+          <c:showVal val="0"/>
+          <c:showCatName val="0"/>
+          <c:showSerName val="0"/>
+          <c:showPercent val="0"/>
+          <c:showBubbleSize val="0"/>
+          <c:showLeaderLines val="0"/>
+        </c:dLbls>
+        <c:marker val="1"/>
+        <c:axId val="2094734554"/>
+        <c:axId val="2094734552"/>
+        <c:axId val="2094734556"/>
+      </c:lineChart>
+      <c:catAx>
+        <c:axId val="2094734554"/>
+        <c:scaling>
+          <c:orientation val="minMax"/>
+        </c:scaling>
+        <c:delete val="0"/>
+        <c:axPos val="b"/>
+        <c:numFmt formatCode="General" sourceLinked="0"/>
+        <c:majorTickMark val="out"/>
+        <c:minorTickMark val="none"/>
+        <c:tickLblPos val="low"/>
+        <c:spPr>
+          <a:ln w="12700" cap="flat">
+            <a:solidFill>
+              <a:srgbClr val="888888"/>
+            </a:solidFill>
+            <a:prstDash val="solid"/>
+            <a:round/>
+          </a:ln>
+        </c:spPr>
+        <c:txPr>
+          <a:bodyPr/>
+          <a:lstStyle/>
+          <a:p>
+            <a:pPr>
+              <a:defRPr sz="1200" b="0" i="0" u="none" strike="noStrike">
+                <a:solidFill>
+                  <a:srgbClr val="000000"/>
+                </a:solidFill>
+                <a:latin typeface="Arial"/>
+              </a:defRPr>
+            </a:pPr>
+            <a:endParaRPr lang="en-US"/>
+          </a:p>
+        </c:txPr>
+        <c:crossAx val="2094734552"/>
+        <c:crosses val="autoZero"/>
+        <c:auto val="1"/>
+        <c:lblAlgn val="ctr"/>
+        <c:noMultiLvlLbl val="1"/>
+      </c:catAx>
+      <c:valAx>
+        <c:axId val="2094734552"/>
+        <c:scaling>
+          <c:orientation val="minMax"/>
+        </c:scaling>
+        <c:delete val="0"/>
+        <c:axPos val="l"/>
+        <c:majorGridlines>
+          <c:spPr>
+            <a:ln w="12700" cap="flat">
+              <a:solidFill>
+                <a:srgbClr val="888888"/>
+              </a:solidFill>
+              <a:prstDash val="solid"/>
+              <a:round/>
+            </a:ln>
+          </c:spPr>
+        </c:majorGridlines>
+        <c:numFmt formatCode="General" sourceLinked="0"/>
+        <c:majorTickMark val="out"/>
+        <c:minorTickMark val="none"/>
+        <c:tickLblPos val="nextTo"/>
+        <c:spPr>
+          <a:ln w="12700" cap="flat">
+            <a:solidFill>
+              <a:srgbClr val="888888"/>
+            </a:solidFill>
+            <a:prstDash val="solid"/>
+            <a:round/>
+          </a:ln>
+        </c:spPr>
+        <c:txPr>
+          <a:bodyPr/>
+          <a:lstStyle/>
+          <a:p>
+            <a:pPr>
+              <a:defRPr sz="1200" b="0" i="0" u="none" strike="noStrike">
+                <a:solidFill>
+                  <a:srgbClr val="000000"/>
+                </a:solidFill>
+                <a:latin typeface="Arial"/>
+              </a:defRPr>
+            </a:pPr>
+            <a:endParaRPr lang="en-US"/>
+          </a:p>
+        </c:txPr>
+        <c:crossAx val="2094734554"/>
+        <c:crosses val="autoZero"/>
+        <c:crossBetween val="between"/>
+      </c:valAx>
+      <c:spPr>
+        <a:noFill/>
+        <a:ln>
+          <a:noFill/>
+        </a:ln>
+        <a:effectLst/>
+      </c:spPr>
+    </c:plotArea>
+    <c:plotVisOnly val="1"/>
+    <c:dispBlanksAs val="span"/>
+  </c:chart>
+  <c:spPr>
+    <a:noFill/>
+    <a:ln w="12700" cap="flat">
+      <a:noFill/>
+      <a:miter lim="400000"/>
+    </a:ln>
+    <a:effectLst/>
+  </c:spPr>
+  <c:externalData r:id="rId1">
+    <c:autoUpdate val="0"/>
+  </c:externalData>
+</c:chartSpace>
 </file>
 
 <file path=ppt/notesMasters/notesMaster1.xml><?xml version="1.0" encoding="utf-8"?>
@@ -1064,15 +1445,6 @@
 <file path=ppt/slides/slide2.xml><?xml version="1.0" encoding="utf-8"?>
 <p:sld xmlns:a="http://schemas.openxmlformats.org/drawingml/2006/main" xmlns:r="http://schemas.openxmlformats.org/officeDocument/2006/relationships" xmlns:p="http://schemas.openxmlformats.org/presentationml/2006/main">
   <p:cSld name="Slide 2">
-    <p:bg>
-      <p:bgPr>
-        <a:solidFill>
-          <a:srgbClr val="F13399">
-            <a:alpha val="10000"/>
-          </a:srgbClr>
-        </a:solidFill>
-      </p:bgPr>
-    </p:bg>
     <p:spTree>
       <p:nvGrpSpPr>
         <p:cNvPr id="1" name=""/>
@@ -1087,6 +1459,22 @@
           <a:chExt cx="0" cy="0"/>
         </a:xfrm>
       </p:grpSpPr>
+      <p:graphicFrame>
+        <p:nvGraphicFramePr>
+          <p:cNvPr id="2" name="Chart 1" descr=""/>
+          <p:cNvGraphicFramePr/>
+          <p:nvPr/>
+        </p:nvGraphicFramePr>
+        <p:xfrm>
+          <a:off x="914400" y="914400"/>
+          <a:ext cx="7315200" cy="3657600"/>
+        </p:xfrm>
+        <a:graphic xmlns:a="http://schemas.openxmlformats.org/drawingml/2006/main">
+          <a:graphicData uri="http://schemas.openxmlformats.org/drawingml/2006/chart">
+            <c:chart xmlns:c="http://schemas.openxmlformats.org/drawingml/2006/chart" r:id="rId1"/>
+          </a:graphicData>
+        </a:graphic>
+      </p:graphicFrame>
       <p:sp>
         <p:nvSpPr>
           <p:cNvPr id="25" name="Slide Number Placeholder 24"/>

--- a/departFin.pptx
+++ b/departFin.pptx
@@ -108,14 +108,15 @@
 </p:presentation>
 </file>
 
-<file path=ppt/charts/chart1.xml><?xml version="1.0" encoding="utf-8"?>
+<file path=ppt/charts/chart31.xml><?xml version="1.0" encoding="utf-8"?>
 <c:chartSpace xmlns:c="http://schemas.openxmlformats.org/drawingml/2006/chart" xmlns:a="http://schemas.openxmlformats.org/drawingml/2006/main" xmlns:r="http://schemas.openxmlformats.org/officeDocument/2006/relationships">
   <c:date1904 val="0"/>
   <c:chart>
     <c:autoTitleDeleted val="1"/>
     <c:plotArea>
       <c:layout/>
-      <c:lineChart>
+      <c:radarChart>
+        <c:radarStyle val="standard"/>
         <c:varyColors val="0"/>
         <c:ser>
           <c:idx val="0"/>
@@ -136,40 +137,8 @@
             <a:solidFill>
               <a:srgbClr val="C0504D"/>
             </a:solidFill>
-            <a:ln w="25400" cap="flat">
-              <a:solidFill>
-                <a:srgbClr val="C0504D"/>
-              </a:solidFill>
-              <a:prstDash val="solid"/>
-              <a:round/>
-            </a:ln>
             <a:effectLst/>
           </c:spPr>
-          <c:dLbls>
-            <c:numFmt formatCode="#,##0" sourceLinked="0"/>
-            <c:txPr>
-              <a:bodyPr/>
-              <a:lstStyle/>
-              <a:p>
-                <a:pPr>
-                  <a:defRPr b="0" i="0" strike="noStrike" sz="1200" u="none">
-                    <a:solidFill>
-                      <a:srgbClr val="000000"/>
-                    </a:solidFill>
-                    <a:latin typeface="Arial"/>
-                  </a:defRPr>
-                </a:pPr>
-              </a:p>
-            </c:txPr>
-            <c:dLblPos val="ctr"/>
-            <c:showLegendKey val="0"/>
-            <c:showVal val="0"/>
-            <c:showCatName val="0"/>
-            <c:showSerName val="0"/>
-            <c:showPercent val="0"/>
-            <c:showBubbleSize val="0"/>
-            <c:showLeaderLines val="0"/>
-          </c:dLbls>
           <c:marker>
             <c:symbol val="circle"/>
             <c:size val="6"/>
@@ -193,16 +162,16 @@
               <c:strCache>
                 <c:ptCount val="4"/>
                 <c:pt idx="0">
-                  <c:v>医疗服务收入</c:v>
+                  <c:v>医服收</c:v>
                 </c:pt>
                 <c:pt idx="1">
-                  <c:v>收入合计</c:v>
+                  <c:v>收合</c:v>
                 </c:pt>
                 <c:pt idx="2">
-                  <c:v>门诊收入合计</c:v>
+                  <c:v>门收合</c:v>
                 </c:pt>
                 <c:pt idx="3">
-                  <c:v>住院收入合计</c:v>
+                  <c:v>住收合</c:v>
                 </c:pt>
               </c:strCache>
             </c:strRef>
@@ -228,7 +197,6 @@
               </c:numCache>
             </c:numRef>
           </c:val>
-          <c:smooth val="0"/>
         </c:ser>
         <c:ser>
           <c:idx val="1"/>
@@ -249,40 +217,8 @@
             <a:solidFill>
               <a:srgbClr val="4F81BD"/>
             </a:solidFill>
-            <a:ln w="25400" cap="flat">
-              <a:solidFill>
-                <a:srgbClr val="4F81BD"/>
-              </a:solidFill>
-              <a:prstDash val="solid"/>
-              <a:round/>
-            </a:ln>
             <a:effectLst/>
           </c:spPr>
-          <c:dLbls>
-            <c:numFmt formatCode="#,##0" sourceLinked="0"/>
-            <c:txPr>
-              <a:bodyPr/>
-              <a:lstStyle/>
-              <a:p>
-                <a:pPr>
-                  <a:defRPr b="0" i="0" strike="noStrike" sz="1200" u="none">
-                    <a:solidFill>
-                      <a:srgbClr val="000000"/>
-                    </a:solidFill>
-                    <a:latin typeface="Arial"/>
-                  </a:defRPr>
-                </a:pPr>
-              </a:p>
-            </c:txPr>
-            <c:dLblPos val="ctr"/>
-            <c:showLegendKey val="0"/>
-            <c:showVal val="0"/>
-            <c:showCatName val="0"/>
-            <c:showSerName val="0"/>
-            <c:showPercent val="0"/>
-            <c:showBubbleSize val="0"/>
-            <c:showLeaderLines val="0"/>
-          </c:dLbls>
           <c:marker>
             <c:symbol val="circle"/>
             <c:size val="6"/>
@@ -306,16 +242,16 @@
               <c:strCache>
                 <c:ptCount val="4"/>
                 <c:pt idx="0">
-                  <c:v>医疗服务收入</c:v>
+                  <c:v>医服收</c:v>
                 </c:pt>
                 <c:pt idx="1">
-                  <c:v>收入合计</c:v>
+                  <c:v>收合</c:v>
                 </c:pt>
                 <c:pt idx="2">
-                  <c:v>门诊收入合计</c:v>
+                  <c:v>门收合</c:v>
                 </c:pt>
                 <c:pt idx="3">
-                  <c:v>住院收入合计</c:v>
+                  <c:v>住收合</c:v>
                 </c:pt>
               </c:strCache>
             </c:strRef>
@@ -341,7 +277,6 @@
               </c:numCache>
             </c:numRef>
           </c:val>
-          <c:smooth val="0"/>
         </c:ser>
         <c:dLbls>
           <c:numFmt formatCode="#,##0" sourceLinked="0"/>
@@ -359,7 +294,6 @@
               </a:pPr>
             </a:p>
           </c:txPr>
-          <c:dLblPos val="ctr"/>
           <c:showLegendKey val="0"/>
           <c:showVal val="0"/>
           <c:showCatName val="0"/>
@@ -368,11 +302,10 @@
           <c:showBubbleSize val="0"/>
           <c:showLeaderLines val="0"/>
         </c:dLbls>
-        <c:marker val="1"/>
         <c:axId val="2094734554"/>
         <c:axId val="2094734552"/>
         <c:axId val="2094734556"/>
-      </c:lineChart>
+      </c:radarChart>
       <c:catAx>
         <c:axId val="2094734554"/>
         <c:scaling>
@@ -472,6 +405,377 @@
         <a:effectLst/>
       </c:spPr>
     </c:plotArea>
+    <c:legend>
+      <c:legendPos val="b"/>
+      <c:overlay val="0"/>
+    </c:legend>
+    <c:plotVisOnly val="1"/>
+    <c:dispBlanksAs val="span"/>
+  </c:chart>
+  <c:spPr>
+    <a:noFill/>
+    <a:ln w="12700" cap="flat">
+      <a:noFill/>
+      <a:miter lim="400000"/>
+    </a:ln>
+    <a:effectLst/>
+  </c:spPr>
+  <c:externalData r:id="rId1">
+    <c:autoUpdate val="0"/>
+  </c:externalData>
+</c:chartSpace>
+</file>
+
+<file path=ppt/charts/chart32.xml><?xml version="1.0" encoding="utf-8"?>
+<c:chartSpace xmlns:c="http://schemas.openxmlformats.org/drawingml/2006/chart" xmlns:a="http://schemas.openxmlformats.org/drawingml/2006/main" xmlns:r="http://schemas.openxmlformats.org/officeDocument/2006/relationships">
+  <c:date1904 val="0"/>
+  <c:chart>
+    <c:title>
+      <c:tx>
+        <c:rich>
+          <a:bodyPr/>
+          <a:lstStyle/>
+          <a:p>
+            <a:pPr>
+              <a:defRPr sz="1800" b="0" i="0" u="none" strike="noStrike">
+                <a:solidFill>
+                  <a:srgbClr val="000000"/>
+                </a:solidFill>
+                <a:latin typeface="Arial"/>
+              </a:defRPr>
+            </a:pPr>
+            <a:r>
+              <a:rPr sz="1800" b="0" i="0" u="none" strike="noStrike">
+                <a:solidFill>
+                  <a:srgbClr val="000000"/>
+                </a:solidFill>
+                <a:latin typeface="Arial"/>
+              </a:rPr>
+              <a:t>Bar Chart</a:t>
+            </a:r>
+          </a:p>
+        </c:rich>
+      </c:tx>
+      <c:layout/>
+      <c:overlay val="0"/>
+    </c:title>
+    <c:autoTitleDeleted val="0"/>
+    <c:plotArea>
+      <c:layout/>
+      <c:barChart>
+        <c:barDir val="col"/>
+        <c:grouping val="standard"/>
+        <c:varyColors val="0"/>
+        <c:ser>
+          <c:idx val="0"/>
+          <c:order val="0"/>
+          <c:tx>
+            <c:strRef>
+              <c:f>Sheet1!$B$1</c:f>
+              <c:strCache>
+                <c:ptCount val="1"/>
+                <c:pt idx="0">
+                  <c:v>神经内科门诊</c:v>
+                </c:pt>
+              </c:strCache>
+            </c:strRef>
+          </c:tx>
+          <c:invertIfNegative val="0"/>
+          <c:spPr>
+            <a:solidFill>
+              <a:srgbClr val="C0504D"/>
+            </a:solidFill>
+            <a:effectLst/>
+          </c:spPr>
+          <c:dLbls>
+            <c:numFmt formatCode="#,##0" sourceLinked="0"/>
+            <c:txPr>
+              <a:bodyPr/>
+              <a:lstStyle/>
+              <a:p>
+                <a:pPr>
+                  <a:defRPr b="0" i="0" strike="noStrike" sz="1200" u="none">
+                    <a:solidFill>
+                      <a:srgbClr val="000000"/>
+                    </a:solidFill>
+                    <a:latin typeface="Arial"/>
+                  </a:defRPr>
+                </a:pPr>
+              </a:p>
+            </c:txPr>
+            <c:dLblPos val="ctr"/>
+            <c:showLegendKey val="0"/>
+            <c:showVal val="0"/>
+            <c:showCatName val="0"/>
+            <c:showSerName val="0"/>
+            <c:showPercent val="0"/>
+            <c:showBubbleSize val="0"/>
+            <c:showLeaderLines val="0"/>
+          </c:dLbls>
+          <c:cat>
+            <c:strRef>
+              <c:f>Sheet1!$A$2:$A$5</c:f>
+              <c:strCache>
+                <c:ptCount val="4"/>
+                <c:pt idx="0">
+                  <c:v>医服收</c:v>
+                </c:pt>
+                <c:pt idx="1">
+                  <c:v>收合</c:v>
+                </c:pt>
+                <c:pt idx="2">
+                  <c:v>门收合</c:v>
+                </c:pt>
+                <c:pt idx="3">
+                  <c:v>住收合</c:v>
+                </c:pt>
+              </c:strCache>
+            </c:strRef>
+          </c:cat>
+          <c:val>
+            <c:numRef>
+              <c:f>Sheet1!$B$2:$B$5</c:f>
+              <c:numCache>
+                <c:formatCode>General</c:formatCode>
+                <c:ptCount val="4"/>
+                <c:pt idx="0">
+                  <c:v/>
+                </c:pt>
+                <c:pt idx="1">
+                  <c:v>6493931.42</c:v>
+                </c:pt>
+                <c:pt idx="2">
+                  <c:v>6493931.42</c:v>
+                </c:pt>
+                <c:pt idx="3">
+                  <c:v>0</c:v>
+                </c:pt>
+              </c:numCache>
+            </c:numRef>
+          </c:val>
+        </c:ser>
+        <c:ser>
+          <c:idx val="1"/>
+          <c:order val="1"/>
+          <c:tx>
+            <c:strRef>
+              <c:f>Sheet1!$C$1</c:f>
+              <c:strCache>
+                <c:ptCount val="1"/>
+                <c:pt idx="0">
+                  <c:v>神经内科</c:v>
+                </c:pt>
+              </c:strCache>
+            </c:strRef>
+          </c:tx>
+          <c:invertIfNegative val="0"/>
+          <c:spPr>
+            <a:solidFill>
+              <a:srgbClr val="4F81BD"/>
+            </a:solidFill>
+            <a:effectLst/>
+          </c:spPr>
+          <c:dLbls>
+            <c:numFmt formatCode="#,##0" sourceLinked="0"/>
+            <c:txPr>
+              <a:bodyPr/>
+              <a:lstStyle/>
+              <a:p>
+                <a:pPr>
+                  <a:defRPr b="0" i="0" strike="noStrike" sz="1200" u="none">
+                    <a:solidFill>
+                      <a:srgbClr val="000000"/>
+                    </a:solidFill>
+                    <a:latin typeface="Arial"/>
+                  </a:defRPr>
+                </a:pPr>
+              </a:p>
+            </c:txPr>
+            <c:dLblPos val="ctr"/>
+            <c:showLegendKey val="0"/>
+            <c:showVal val="0"/>
+            <c:showCatName val="0"/>
+            <c:showSerName val="0"/>
+            <c:showPercent val="0"/>
+            <c:showBubbleSize val="0"/>
+            <c:showLeaderLines val="0"/>
+          </c:dLbls>
+          <c:cat>
+            <c:strRef>
+              <c:f>Sheet1!$A$2:$A$5</c:f>
+              <c:strCache>
+                <c:ptCount val="4"/>
+                <c:pt idx="0">
+                  <c:v>医服收</c:v>
+                </c:pt>
+                <c:pt idx="1">
+                  <c:v>收合</c:v>
+                </c:pt>
+                <c:pt idx="2">
+                  <c:v>门收合</c:v>
+                </c:pt>
+                <c:pt idx="3">
+                  <c:v>住收合</c:v>
+                </c:pt>
+              </c:strCache>
+            </c:strRef>
+          </c:cat>
+          <c:val>
+            <c:numRef>
+              <c:f>Sheet1!$C$2:$C$5</c:f>
+              <c:numCache>
+                <c:formatCode>General</c:formatCode>
+                <c:ptCount val="4"/>
+                <c:pt idx="0">
+                  <c:v/>
+                </c:pt>
+                <c:pt idx="1">
+                  <c:v>16992811.31</c:v>
+                </c:pt>
+                <c:pt idx="2">
+                  <c:v>-205.5</c:v>
+                </c:pt>
+                <c:pt idx="3">
+                  <c:v>16993016.81</c:v>
+                </c:pt>
+              </c:numCache>
+            </c:numRef>
+          </c:val>
+        </c:ser>
+        <c:dLbls>
+          <c:numFmt formatCode="#,##0" sourceLinked="0"/>
+          <c:txPr>
+            <a:bodyPr/>
+            <a:lstStyle/>
+            <a:p>
+              <a:pPr>
+                <a:defRPr b="0" i="0" strike="noStrike" sz="1200" u="none">
+                  <a:solidFill>
+                    <a:srgbClr val="000000"/>
+                  </a:solidFill>
+                  <a:latin typeface="Arial"/>
+                </a:defRPr>
+              </a:pPr>
+            </a:p>
+          </c:txPr>
+          <c:dLblPos val="ctr"/>
+          <c:showLegendKey val="0"/>
+          <c:showVal val="0"/>
+          <c:showCatName val="0"/>
+          <c:showSerName val="0"/>
+          <c:showPercent val="0"/>
+          <c:showBubbleSize val="0"/>
+          <c:showLeaderLines val="0"/>
+        </c:dLbls>
+        <c:gapWidth val="150"/>
+        <c:overlap val="0"/>
+        <c:axId val="2094734554"/>
+        <c:axId val="2094734552"/>
+        <c:axId val="2094734556"/>
+      </c:barChart>
+      <c:catAx>
+        <c:axId val="2094734554"/>
+        <c:scaling>
+          <c:orientation val="minMax"/>
+        </c:scaling>
+        <c:delete val="0"/>
+        <c:axPos val="b"/>
+        <c:numFmt formatCode="General" sourceLinked="0"/>
+        <c:majorTickMark val="out"/>
+        <c:minorTickMark val="none"/>
+        <c:tickLblPos val="low"/>
+        <c:spPr>
+          <a:ln w="12700" cap="flat">
+            <a:solidFill>
+              <a:srgbClr val="888888"/>
+            </a:solidFill>
+            <a:prstDash val="solid"/>
+            <a:round/>
+          </a:ln>
+        </c:spPr>
+        <c:txPr>
+          <a:bodyPr/>
+          <a:lstStyle/>
+          <a:p>
+            <a:pPr>
+              <a:defRPr sz="1200" b="0" i="0" u="none" strike="noStrike">
+                <a:solidFill>
+                  <a:srgbClr val="000000"/>
+                </a:solidFill>
+                <a:latin typeface="Arial"/>
+              </a:defRPr>
+            </a:pPr>
+            <a:endParaRPr lang="en-US"/>
+          </a:p>
+        </c:txPr>
+        <c:crossAx val="2094734552"/>
+        <c:crosses val="autoZero"/>
+        <c:auto val="1"/>
+        <c:lblAlgn val="ctr"/>
+        <c:noMultiLvlLbl val="1"/>
+      </c:catAx>
+      <c:valAx>
+        <c:axId val="2094734552"/>
+        <c:scaling>
+          <c:orientation val="minMax"/>
+        </c:scaling>
+        <c:delete val="0"/>
+        <c:axPos val="l"/>
+        <c:majorGridlines>
+          <c:spPr>
+            <a:ln w="12700" cap="flat">
+              <a:solidFill>
+                <a:srgbClr val="888888"/>
+              </a:solidFill>
+              <a:prstDash val="solid"/>
+              <a:round/>
+            </a:ln>
+          </c:spPr>
+        </c:majorGridlines>
+        <c:numFmt formatCode="General" sourceLinked="0"/>
+        <c:majorTickMark val="out"/>
+        <c:minorTickMark val="none"/>
+        <c:tickLblPos val="nextTo"/>
+        <c:spPr>
+          <a:ln w="12700" cap="flat">
+            <a:solidFill>
+              <a:srgbClr val="888888"/>
+            </a:solidFill>
+            <a:prstDash val="solid"/>
+            <a:round/>
+          </a:ln>
+        </c:spPr>
+        <c:txPr>
+          <a:bodyPr/>
+          <a:lstStyle/>
+          <a:p>
+            <a:pPr>
+              <a:defRPr sz="1200" b="0" i="0" u="none" strike="noStrike">
+                <a:solidFill>
+                  <a:srgbClr val="000000"/>
+                </a:solidFill>
+                <a:latin typeface="Arial"/>
+              </a:defRPr>
+            </a:pPr>
+            <a:endParaRPr lang="en-US"/>
+          </a:p>
+        </c:txPr>
+        <c:crossAx val="2094734554"/>
+        <c:crosses val="autoZero"/>
+        <c:crossBetween val="between"/>
+      </c:valAx>
+      <c:spPr>
+        <a:noFill/>
+        <a:ln>
+          <a:noFill/>
+        </a:ln>
+        <a:effectLst/>
+      </c:spPr>
+    </c:plotArea>
+    <c:legend>
+      <c:legendPos val="b"/>
+      <c:overlay val="0"/>
+    </c:legend>
     <c:plotVisOnly val="1"/>
     <c:dispBlanksAs val="span"/>
   </c:chart>
@@ -1466,12 +1770,28 @@
           <p:nvPr/>
         </p:nvGraphicFramePr>
         <p:xfrm>
-          <a:off x="914400" y="914400"/>
-          <a:ext cx="7315200" cy="3657600"/>
+          <a:off x="0" y="914400"/>
+          <a:ext cx="4114800" cy="2571750"/>
         </p:xfrm>
         <a:graphic xmlns:a="http://schemas.openxmlformats.org/drawingml/2006/main">
           <a:graphicData uri="http://schemas.openxmlformats.org/drawingml/2006/chart">
             <c:chart xmlns:c="http://schemas.openxmlformats.org/drawingml/2006/chart" r:id="rId1"/>
+          </a:graphicData>
+        </a:graphic>
+      </p:graphicFrame>
+      <p:graphicFrame>
+        <p:nvGraphicFramePr>
+          <p:cNvPr id="3" name="Chart 2" descr=""/>
+          <p:cNvGraphicFramePr/>
+          <p:nvPr/>
+        </p:nvGraphicFramePr>
+        <p:xfrm>
+          <a:off x="4572000" y="914400"/>
+          <a:ext cx="4114800" cy="2571750"/>
+        </p:xfrm>
+        <a:graphic xmlns:a="http://schemas.openxmlformats.org/drawingml/2006/main">
+          <a:graphicData uri="http://schemas.openxmlformats.org/drawingml/2006/chart">
+            <c:chart xmlns:c="http://schemas.openxmlformats.org/drawingml/2006/chart" r:id="rId2"/>
           </a:graphicData>
         </a:graphic>
       </p:graphicFrame>

--- a/departFin.pptx
+++ b/departFin.pptx
@@ -108,7 +108,7 @@
 </p:presentation>
 </file>
 
-<file path=ppt/charts/chart31.xml><?xml version="1.0" encoding="utf-8"?>
+<file path=ppt/charts/chart1.xml><?xml version="1.0" encoding="utf-8"?>
 <c:chartSpace xmlns:c="http://schemas.openxmlformats.org/drawingml/2006/chart" xmlns:a="http://schemas.openxmlformats.org/drawingml/2006/main" xmlns:r="http://schemas.openxmlformats.org/officeDocument/2006/relationships">
   <c:date1904 val="0"/>
   <c:chart>
@@ -426,7 +426,7 @@
 </c:chartSpace>
 </file>
 
-<file path=ppt/charts/chart32.xml><?xml version="1.0" encoding="utf-8"?>
+<file path=ppt/charts/chart2.xml><?xml version="1.0" encoding="utf-8"?>
 <c:chartSpace xmlns:c="http://schemas.openxmlformats.org/drawingml/2006/chart" xmlns:a="http://schemas.openxmlformats.org/drawingml/2006/main" xmlns:r="http://schemas.openxmlformats.org/officeDocument/2006/relationships">
   <c:date1904 val="0"/>
   <c:chart>
